--- a/assets/docs/benchmarking.pptx
+++ b/assets/docs/benchmarking.pptx
@@ -7,6 +7,7 @@
   <p:sldIdLst>
     <p:sldId id="256" r:id="rId2"/>
     <p:sldId id="257" r:id="rId3"/>
+    <p:sldId id="258" r:id="rId4"/>
   </p:sldIdLst>
   <p:sldSz cx="12192000" cy="6858000"/>
   <p:notesSz cx="6858000" cy="9144000"/>
@@ -4503,6 +4504,2150 @@
 </p:sld>
 </file>
 
+<file path=ppt/slides/slide3.xml><?xml version="1.0" encoding="utf-8"?>
+<p:sld xmlns:a="http://schemas.openxmlformats.org/drawingml/2006/main" xmlns:r="http://schemas.openxmlformats.org/officeDocument/2006/relationships" xmlns:p="http://schemas.openxmlformats.org/presentationml/2006/main">
+  <p:cSld>
+    <p:spTree>
+      <p:nvGrpSpPr>
+        <p:cNvPr id="1" name=""/>
+        <p:cNvGrpSpPr/>
+        <p:nvPr/>
+      </p:nvGrpSpPr>
+      <p:grpSpPr>
+        <a:xfrm>
+          <a:off x="0" y="0"/>
+          <a:ext cx="0" cy="0"/>
+          <a:chOff x="0" y="0"/>
+          <a:chExt cx="0" cy="0"/>
+        </a:xfrm>
+      </p:grpSpPr>
+      <p:graphicFrame>
+        <p:nvGraphicFramePr>
+          <p:cNvPr id="4" name="Tabla 3"/>
+          <p:cNvGraphicFramePr>
+            <a:graphicFrameLocks noGrp="1"/>
+          </p:cNvGraphicFramePr>
+          <p:nvPr>
+            <p:extLst>
+              <p:ext uri="{D42A27DB-BD31-4B8C-83A1-F6EECF244321}">
+                <p14:modId xmlns:p14="http://schemas.microsoft.com/office/powerpoint/2010/main" val="1590138918"/>
+              </p:ext>
+            </p:extLst>
+          </p:nvPr>
+        </p:nvGraphicFramePr>
+        <p:xfrm>
+          <a:off x="1061543" y="371402"/>
+          <a:ext cx="10058400" cy="6347116"/>
+        </p:xfrm>
+        <a:graphic>
+          <a:graphicData uri="http://schemas.openxmlformats.org/drawingml/2006/table">
+            <a:tbl>
+              <a:tblPr firstRow="1" bandRow="1">
+                <a:tableStyleId>{8799B23B-EC83-4686-B30A-512413B5E67A}</a:tableStyleId>
+              </a:tblPr>
+              <a:tblGrid>
+                <a:gridCol w="3352800">
+                  <a:extLst>
+                    <a:ext uri="{9D8B030D-6E8A-4147-A177-3AD203B41FA5}">
+                      <a16:colId xmlns:a16="http://schemas.microsoft.com/office/drawing/2014/main" val="1569619534"/>
+                    </a:ext>
+                  </a:extLst>
+                </a:gridCol>
+                <a:gridCol w="3352800">
+                  <a:extLst>
+                    <a:ext uri="{9D8B030D-6E8A-4147-A177-3AD203B41FA5}">
+                      <a16:colId xmlns:a16="http://schemas.microsoft.com/office/drawing/2014/main" val="181138458"/>
+                    </a:ext>
+                  </a:extLst>
+                </a:gridCol>
+                <a:gridCol w="3352800">
+                  <a:extLst>
+                    <a:ext uri="{9D8B030D-6E8A-4147-A177-3AD203B41FA5}">
+                      <a16:colId xmlns:a16="http://schemas.microsoft.com/office/drawing/2014/main" val="2719327631"/>
+                    </a:ext>
+                  </a:extLst>
+                </a:gridCol>
+              </a:tblGrid>
+              <a:tr h="346520">
+                <a:tc>
+                  <a:txBody>
+                    <a:bodyPr/>
+                    <a:lstStyle/>
+                    <a:p>
+                      <a:r>
+                        <a:rPr lang="es-PE" sz="1600" dirty="0" smtClean="0"/>
+                        <a:t>Características</a:t>
+                      </a:r>
+                      <a:endParaRPr lang="es-PE" sz="1600" dirty="0"/>
+                    </a:p>
+                  </a:txBody>
+                  <a:tcPr marL="82894" marR="82894" marT="41447" marB="41447"/>
+                </a:tc>
+                <a:tc>
+                  <a:txBody>
+                    <a:bodyPr/>
+                    <a:lstStyle/>
+                    <a:p>
+                      <a:endParaRPr lang="es-PE" sz="1600" dirty="0"/>
+                    </a:p>
+                  </a:txBody>
+                  <a:tcPr marL="82894" marR="82894" marT="41447" marB="41447"/>
+                </a:tc>
+                <a:tc>
+                  <a:txBody>
+                    <a:bodyPr/>
+                    <a:lstStyle/>
+                    <a:p>
+                      <a:endParaRPr lang="es-PE" sz="1600" dirty="0"/>
+                    </a:p>
+                  </a:txBody>
+                  <a:tcPr marL="82894" marR="82894" marT="41447" marB="41447"/>
+                </a:tc>
+                <a:extLst>
+                  <a:ext uri="{0D108BD9-81ED-4DB2-BD59-A6C34878D82A}">
+                    <a16:rowId xmlns:a16="http://schemas.microsoft.com/office/drawing/2014/main" val="75113998"/>
+                  </a:ext>
+                </a:extLst>
+              </a:tr>
+              <a:tr h="346520">
+                <a:tc>
+                  <a:txBody>
+                    <a:bodyPr/>
+                    <a:lstStyle/>
+                    <a:p>
+                      <a:pPr marL="0" marR="0" indent="0" algn="l" defTabSz="914400" rtl="0" eaLnBrk="1" fontAlgn="auto" latinLnBrk="0" hangingPunct="1">
+                        <a:lnSpc>
+                          <a:spcPct val="100000"/>
+                        </a:lnSpc>
+                        <a:spcBef>
+                          <a:spcPts val="0"/>
+                        </a:spcBef>
+                        <a:spcAft>
+                          <a:spcPts val="0"/>
+                        </a:spcAft>
+                        <a:buClrTx/>
+                        <a:buSzTx/>
+                        <a:buFontTx/>
+                        <a:buNone/>
+                        <a:tabLst/>
+                        <a:defRPr/>
+                      </a:pPr>
+                      <a:r>
+                        <a:rPr lang="es-PE" sz="1600" dirty="0" smtClean="0"/>
+                        <a:t>Elaboran un perfil de inversionista</a:t>
+                      </a:r>
+                    </a:p>
+                  </a:txBody>
+                  <a:tcPr marL="82894" marR="82894" marT="41447" marB="41447"/>
+                </a:tc>
+                <a:tc>
+                  <a:txBody>
+                    <a:bodyPr/>
+                    <a:lstStyle/>
+                    <a:p>
+                      <a:endParaRPr lang="es-PE" sz="1600"/>
+                    </a:p>
+                  </a:txBody>
+                  <a:tcPr marL="82894" marR="82894" marT="41447" marB="41447"/>
+                </a:tc>
+                <a:tc>
+                  <a:txBody>
+                    <a:bodyPr/>
+                    <a:lstStyle/>
+                    <a:p>
+                      <a:endParaRPr lang="es-PE" sz="1600"/>
+                    </a:p>
+                  </a:txBody>
+                  <a:tcPr marL="82894" marR="82894" marT="41447" marB="41447"/>
+                </a:tc>
+                <a:extLst>
+                  <a:ext uri="{0D108BD9-81ED-4DB2-BD59-A6C34878D82A}">
+                    <a16:rowId xmlns:a16="http://schemas.microsoft.com/office/drawing/2014/main" val="760750358"/>
+                  </a:ext>
+                </a:extLst>
+              </a:tr>
+              <a:tr h="580256">
+                <a:tc>
+                  <a:txBody>
+                    <a:bodyPr/>
+                    <a:lstStyle/>
+                    <a:p>
+                      <a:pPr marL="0" marR="0" indent="0" algn="l" defTabSz="914400" rtl="0" eaLnBrk="1" fontAlgn="auto" latinLnBrk="0" hangingPunct="1">
+                        <a:lnSpc>
+                          <a:spcPct val="100000"/>
+                        </a:lnSpc>
+                        <a:spcBef>
+                          <a:spcPts val="0"/>
+                        </a:spcBef>
+                        <a:spcAft>
+                          <a:spcPts val="0"/>
+                        </a:spcAft>
+                        <a:buClrTx/>
+                        <a:buSzTx/>
+                        <a:buFontTx/>
+                        <a:buNone/>
+                        <a:tabLst/>
+                        <a:defRPr/>
+                      </a:pPr>
+                      <a:r>
+                        <a:rPr lang="es-PE" sz="1600" dirty="0" smtClean="0"/>
+                        <a:t>Requiere un monto mínimo para invertir.</a:t>
+                      </a:r>
+                      <a:endParaRPr lang="es-PE" sz="1600" dirty="0" smtClean="0">
+                        <a:solidFill>
+                          <a:schemeClr val="tx1"/>
+                        </a:solidFill>
+                      </a:endParaRPr>
+                    </a:p>
+                  </a:txBody>
+                  <a:tcPr marL="82894" marR="82894" marT="41447" marB="41447"/>
+                </a:tc>
+                <a:tc>
+                  <a:txBody>
+                    <a:bodyPr/>
+                    <a:lstStyle/>
+                    <a:p>
+                      <a:endParaRPr lang="es-PE" sz="1600" dirty="0"/>
+                    </a:p>
+                  </a:txBody>
+                  <a:tcPr marL="82894" marR="82894" marT="41447" marB="41447"/>
+                </a:tc>
+                <a:tc>
+                  <a:txBody>
+                    <a:bodyPr/>
+                    <a:lstStyle/>
+                    <a:p>
+                      <a:endParaRPr lang="es-PE" sz="1600" dirty="0"/>
+                    </a:p>
+                  </a:txBody>
+                  <a:tcPr marL="82894" marR="82894" marT="41447" marB="41447"/>
+                </a:tc>
+                <a:extLst>
+                  <a:ext uri="{0D108BD9-81ED-4DB2-BD59-A6C34878D82A}">
+                    <a16:rowId xmlns:a16="http://schemas.microsoft.com/office/drawing/2014/main" val="465431544"/>
+                  </a:ext>
+                </a:extLst>
+              </a:tr>
+              <a:tr h="580256">
+                <a:tc>
+                  <a:txBody>
+                    <a:bodyPr/>
+                    <a:lstStyle/>
+                    <a:p>
+                      <a:pPr marL="0" marR="0" indent="0" algn="l" defTabSz="914400" rtl="0" eaLnBrk="1" fontAlgn="auto" latinLnBrk="0" hangingPunct="1">
+                        <a:lnSpc>
+                          <a:spcPct val="100000"/>
+                        </a:lnSpc>
+                        <a:spcBef>
+                          <a:spcPts val="0"/>
+                        </a:spcBef>
+                        <a:spcAft>
+                          <a:spcPts val="0"/>
+                        </a:spcAft>
+                        <a:buClrTx/>
+                        <a:buSzTx/>
+                        <a:buFontTx/>
+                        <a:buNone/>
+                        <a:tabLst/>
+                        <a:defRPr/>
+                      </a:pPr>
+                      <a:r>
+                        <a:rPr lang="es-PE" sz="1600" dirty="0" smtClean="0"/>
+                        <a:t>Se invierten en productos que se cotizan en la bolsa de valores.</a:t>
+                      </a:r>
+                      <a:endParaRPr lang="es-PE" sz="1600" dirty="0" smtClean="0">
+                        <a:solidFill>
+                          <a:schemeClr val="tx1"/>
+                        </a:solidFill>
+                      </a:endParaRPr>
+                    </a:p>
+                  </a:txBody>
+                  <a:tcPr marL="82894" marR="82894" marT="41447" marB="41447"/>
+                </a:tc>
+                <a:tc>
+                  <a:txBody>
+                    <a:bodyPr/>
+                    <a:lstStyle/>
+                    <a:p>
+                      <a:endParaRPr lang="es-PE" sz="1600" dirty="0"/>
+                    </a:p>
+                  </a:txBody>
+                  <a:tcPr marL="82894" marR="82894" marT="41447" marB="41447"/>
+                </a:tc>
+                <a:tc>
+                  <a:txBody>
+                    <a:bodyPr/>
+                    <a:lstStyle/>
+                    <a:p>
+                      <a:endParaRPr lang="es-PE" sz="1600"/>
+                    </a:p>
+                  </a:txBody>
+                  <a:tcPr marL="82894" marR="82894" marT="41447" marB="41447"/>
+                </a:tc>
+                <a:extLst>
+                  <a:ext uri="{0D108BD9-81ED-4DB2-BD59-A6C34878D82A}">
+                    <a16:rowId xmlns:a16="http://schemas.microsoft.com/office/drawing/2014/main" val="2480440125"/>
+                  </a:ext>
+                </a:extLst>
+              </a:tr>
+              <a:tr h="346520">
+                <a:tc>
+                  <a:txBody>
+                    <a:bodyPr/>
+                    <a:lstStyle/>
+                    <a:p>
+                      <a:pPr marL="0" marR="0" indent="0" algn="l" defTabSz="914400" rtl="0" eaLnBrk="1" fontAlgn="auto" latinLnBrk="0" hangingPunct="1">
+                        <a:lnSpc>
+                          <a:spcPct val="100000"/>
+                        </a:lnSpc>
+                        <a:spcBef>
+                          <a:spcPts val="0"/>
+                        </a:spcBef>
+                        <a:spcAft>
+                          <a:spcPts val="0"/>
+                        </a:spcAft>
+                        <a:buClrTx/>
+                        <a:buSzTx/>
+                        <a:buFontTx/>
+                        <a:buNone/>
+                        <a:tabLst/>
+                        <a:defRPr/>
+                      </a:pPr>
+                      <a:r>
+                        <a:rPr lang="es-PE" sz="1600" dirty="0" smtClean="0"/>
+                        <a:t>Permite elegir el nivel de riesgo.</a:t>
+                      </a:r>
+                      <a:endParaRPr lang="es-PE" sz="1600" dirty="0" smtClean="0">
+                        <a:solidFill>
+                          <a:schemeClr val="tx1"/>
+                        </a:solidFill>
+                      </a:endParaRPr>
+                    </a:p>
+                  </a:txBody>
+                  <a:tcPr marL="82894" marR="82894" marT="41447" marB="41447"/>
+                </a:tc>
+                <a:tc>
+                  <a:txBody>
+                    <a:bodyPr/>
+                    <a:lstStyle/>
+                    <a:p>
+                      <a:endParaRPr lang="es-PE" sz="1600" dirty="0"/>
+                    </a:p>
+                  </a:txBody>
+                  <a:tcPr marL="82894" marR="82894" marT="41447" marB="41447"/>
+                </a:tc>
+                <a:tc>
+                  <a:txBody>
+                    <a:bodyPr/>
+                    <a:lstStyle/>
+                    <a:p>
+                      <a:endParaRPr lang="es-PE" sz="1600"/>
+                    </a:p>
+                  </a:txBody>
+                  <a:tcPr marL="82894" marR="82894" marT="41447" marB="41447"/>
+                </a:tc>
+                <a:extLst>
+                  <a:ext uri="{0D108BD9-81ED-4DB2-BD59-A6C34878D82A}">
+                    <a16:rowId xmlns:a16="http://schemas.microsoft.com/office/drawing/2014/main" val="883525238"/>
+                  </a:ext>
+                </a:extLst>
+              </a:tr>
+              <a:tr h="346520">
+                <a:tc>
+                  <a:txBody>
+                    <a:bodyPr/>
+                    <a:lstStyle/>
+                    <a:p>
+                      <a:pPr marL="0" marR="0" indent="0" algn="l" defTabSz="914400" rtl="0" eaLnBrk="1" fontAlgn="auto" latinLnBrk="0" hangingPunct="1">
+                        <a:lnSpc>
+                          <a:spcPct val="100000"/>
+                        </a:lnSpc>
+                        <a:spcBef>
+                          <a:spcPts val="0"/>
+                        </a:spcBef>
+                        <a:spcAft>
+                          <a:spcPts val="0"/>
+                        </a:spcAft>
+                        <a:buClrTx/>
+                        <a:buSzTx/>
+                        <a:buFontTx/>
+                        <a:buNone/>
+                        <a:tabLst/>
+                        <a:defRPr/>
+                      </a:pPr>
+                      <a:r>
+                        <a:rPr lang="es-PE" sz="1600" dirty="0" smtClean="0"/>
+                        <a:t>Facilidad de rescate de dinero.</a:t>
+                      </a:r>
+                      <a:endParaRPr lang="es-PE" sz="1600" dirty="0" smtClean="0">
+                        <a:solidFill>
+                          <a:schemeClr val="tx1"/>
+                        </a:solidFill>
+                      </a:endParaRPr>
+                    </a:p>
+                  </a:txBody>
+                  <a:tcPr marL="82894" marR="82894" marT="41447" marB="41447"/>
+                </a:tc>
+                <a:tc>
+                  <a:txBody>
+                    <a:bodyPr/>
+                    <a:lstStyle/>
+                    <a:p>
+                      <a:endParaRPr lang="es-PE" sz="1600" dirty="0"/>
+                    </a:p>
+                  </a:txBody>
+                  <a:tcPr marL="82894" marR="82894" marT="41447" marB="41447"/>
+                </a:tc>
+                <a:tc>
+                  <a:txBody>
+                    <a:bodyPr/>
+                    <a:lstStyle/>
+                    <a:p>
+                      <a:endParaRPr lang="es-PE" sz="1600" dirty="0"/>
+                    </a:p>
+                  </a:txBody>
+                  <a:tcPr marL="82894" marR="82894" marT="41447" marB="41447"/>
+                </a:tc>
+                <a:extLst>
+                  <a:ext uri="{0D108BD9-81ED-4DB2-BD59-A6C34878D82A}">
+                    <a16:rowId xmlns:a16="http://schemas.microsoft.com/office/drawing/2014/main" val="3579118514"/>
+                  </a:ext>
+                </a:extLst>
+              </a:tr>
+              <a:tr h="580256">
+                <a:tc>
+                  <a:txBody>
+                    <a:bodyPr/>
+                    <a:lstStyle/>
+                    <a:p>
+                      <a:pPr marL="0" marR="0" indent="0" algn="l" defTabSz="914400" rtl="0" eaLnBrk="1" fontAlgn="auto" latinLnBrk="0" hangingPunct="1">
+                        <a:lnSpc>
+                          <a:spcPct val="100000"/>
+                        </a:lnSpc>
+                        <a:spcBef>
+                          <a:spcPts val="0"/>
+                        </a:spcBef>
+                        <a:spcAft>
+                          <a:spcPts val="0"/>
+                        </a:spcAft>
+                        <a:buClrTx/>
+                        <a:buSzTx/>
+                        <a:buFontTx/>
+                        <a:buNone/>
+                        <a:tabLst/>
+                        <a:defRPr/>
+                      </a:pPr>
+                      <a:r>
+                        <a:rPr lang="es-PE" sz="1600" dirty="0" smtClean="0"/>
+                        <a:t>Respaldadas y reguladas por entes financieros.</a:t>
+                      </a:r>
+                      <a:endParaRPr lang="es-PE" sz="1600" dirty="0" smtClean="0">
+                        <a:solidFill>
+                          <a:schemeClr val="tx1"/>
+                        </a:solidFill>
+                      </a:endParaRPr>
+                    </a:p>
+                  </a:txBody>
+                  <a:tcPr marL="82894" marR="82894" marT="41447" marB="41447"/>
+                </a:tc>
+                <a:tc>
+                  <a:txBody>
+                    <a:bodyPr/>
+                    <a:lstStyle/>
+                    <a:p>
+                      <a:endParaRPr lang="es-PE" sz="1600" dirty="0"/>
+                    </a:p>
+                  </a:txBody>
+                  <a:tcPr marL="82894" marR="82894" marT="41447" marB="41447"/>
+                </a:tc>
+                <a:tc>
+                  <a:txBody>
+                    <a:bodyPr/>
+                    <a:lstStyle/>
+                    <a:p>
+                      <a:endParaRPr lang="es-PE" sz="1600" dirty="0"/>
+                    </a:p>
+                  </a:txBody>
+                  <a:tcPr marL="82894" marR="82894" marT="41447" marB="41447"/>
+                </a:tc>
+                <a:extLst>
+                  <a:ext uri="{0D108BD9-81ED-4DB2-BD59-A6C34878D82A}">
+                    <a16:rowId xmlns:a16="http://schemas.microsoft.com/office/drawing/2014/main" val="100521877"/>
+                  </a:ext>
+                </a:extLst>
+              </a:tr>
+              <a:tr h="346520">
+                <a:tc>
+                  <a:txBody>
+                    <a:bodyPr/>
+                    <a:lstStyle/>
+                    <a:p>
+                      <a:pPr marL="0" marR="0" indent="0" algn="l" defTabSz="914400" rtl="0" eaLnBrk="1" fontAlgn="auto" latinLnBrk="0" hangingPunct="1">
+                        <a:lnSpc>
+                          <a:spcPct val="100000"/>
+                        </a:lnSpc>
+                        <a:spcBef>
+                          <a:spcPts val="0"/>
+                        </a:spcBef>
+                        <a:spcAft>
+                          <a:spcPts val="0"/>
+                        </a:spcAft>
+                        <a:buClrTx/>
+                        <a:buSzTx/>
+                        <a:buFontTx/>
+                        <a:buNone/>
+                        <a:tabLst/>
+                        <a:defRPr/>
+                      </a:pPr>
+                      <a:r>
+                        <a:rPr lang="es-PE" sz="1600" dirty="0" smtClean="0"/>
+                        <a:t>Cobro de un % anual.</a:t>
+                      </a:r>
+                      <a:endParaRPr lang="es-PE" sz="1600" dirty="0" smtClean="0">
+                        <a:solidFill>
+                          <a:schemeClr val="tx1"/>
+                        </a:solidFill>
+                      </a:endParaRPr>
+                    </a:p>
+                  </a:txBody>
+                  <a:tcPr marL="82894" marR="82894" marT="41447" marB="41447"/>
+                </a:tc>
+                <a:tc>
+                  <a:txBody>
+                    <a:bodyPr/>
+                    <a:lstStyle/>
+                    <a:p>
+                      <a:endParaRPr lang="es-PE" sz="1600"/>
+                    </a:p>
+                  </a:txBody>
+                  <a:tcPr marL="82894" marR="82894" marT="41447" marB="41447"/>
+                </a:tc>
+                <a:tc>
+                  <a:txBody>
+                    <a:bodyPr/>
+                    <a:lstStyle/>
+                    <a:p>
+                      <a:endParaRPr lang="es-PE" sz="1600" dirty="0"/>
+                    </a:p>
+                  </a:txBody>
+                  <a:tcPr marL="82894" marR="82894" marT="41447" marB="41447"/>
+                </a:tc>
+                <a:extLst>
+                  <a:ext uri="{0D108BD9-81ED-4DB2-BD59-A6C34878D82A}">
+                    <a16:rowId xmlns:a16="http://schemas.microsoft.com/office/drawing/2014/main" val="3618606536"/>
+                  </a:ext>
+                </a:extLst>
+              </a:tr>
+              <a:tr h="346520">
+                <a:tc>
+                  <a:txBody>
+                    <a:bodyPr/>
+                    <a:lstStyle/>
+                    <a:p>
+                      <a:pPr marL="0" marR="0" indent="0" algn="l" defTabSz="914400" rtl="0" eaLnBrk="1" fontAlgn="auto" latinLnBrk="0" hangingPunct="1">
+                        <a:lnSpc>
+                          <a:spcPct val="100000"/>
+                        </a:lnSpc>
+                        <a:spcBef>
+                          <a:spcPts val="0"/>
+                        </a:spcBef>
+                        <a:spcAft>
+                          <a:spcPts val="0"/>
+                        </a:spcAft>
+                        <a:buClrTx/>
+                        <a:buSzTx/>
+                        <a:buFontTx/>
+                        <a:buNone/>
+                        <a:tabLst/>
+                        <a:defRPr/>
+                      </a:pPr>
+                      <a:r>
+                        <a:rPr lang="es-PE" sz="1600" dirty="0" smtClean="0"/>
+                        <a:t>Firma de un contrato digital.</a:t>
+                      </a:r>
+                    </a:p>
+                  </a:txBody>
+                  <a:tcPr marL="82894" marR="82894" marT="41447" marB="41447"/>
+                </a:tc>
+                <a:tc>
+                  <a:txBody>
+                    <a:bodyPr/>
+                    <a:lstStyle/>
+                    <a:p>
+                      <a:endParaRPr lang="es-PE" sz="1600" dirty="0"/>
+                    </a:p>
+                  </a:txBody>
+                  <a:tcPr marL="82894" marR="82894" marT="41447" marB="41447"/>
+                </a:tc>
+                <a:tc>
+                  <a:txBody>
+                    <a:bodyPr/>
+                    <a:lstStyle/>
+                    <a:p>
+                      <a:endParaRPr lang="es-PE" sz="1600" dirty="0"/>
+                    </a:p>
+                  </a:txBody>
+                  <a:tcPr marL="82894" marR="82894" marT="41447" marB="41447"/>
+                </a:tc>
+                <a:extLst>
+                  <a:ext uri="{0D108BD9-81ED-4DB2-BD59-A6C34878D82A}">
+                    <a16:rowId xmlns:a16="http://schemas.microsoft.com/office/drawing/2014/main" val="1006661587"/>
+                  </a:ext>
+                </a:extLst>
+              </a:tr>
+              <a:tr h="346520">
+                <a:tc>
+                  <a:txBody>
+                    <a:bodyPr/>
+                    <a:lstStyle/>
+                    <a:p>
+                      <a:pPr marL="0" marR="0" indent="0" algn="l" defTabSz="914400" rtl="0" eaLnBrk="1" fontAlgn="auto" latinLnBrk="0" hangingPunct="1">
+                        <a:lnSpc>
+                          <a:spcPct val="100000"/>
+                        </a:lnSpc>
+                        <a:spcBef>
+                          <a:spcPts val="0"/>
+                        </a:spcBef>
+                        <a:spcAft>
+                          <a:spcPts val="0"/>
+                        </a:spcAft>
+                        <a:buClrTx/>
+                        <a:buSzTx/>
+                        <a:buFontTx/>
+                        <a:buNone/>
+                        <a:tabLst/>
+                        <a:defRPr/>
+                      </a:pPr>
+                      <a:r>
+                        <a:rPr lang="es-PE" sz="1600" dirty="0" smtClean="0"/>
+                        <a:t>Creación de objetivos.</a:t>
+                      </a:r>
+                      <a:endParaRPr lang="es-PE" sz="1600" dirty="0" smtClean="0">
+                        <a:solidFill>
+                          <a:schemeClr val="tx1"/>
+                        </a:solidFill>
+                      </a:endParaRPr>
+                    </a:p>
+                  </a:txBody>
+                  <a:tcPr marL="82894" marR="82894" marT="41447" marB="41447"/>
+                </a:tc>
+                <a:tc>
+                  <a:txBody>
+                    <a:bodyPr/>
+                    <a:lstStyle/>
+                    <a:p>
+                      <a:endParaRPr lang="es-PE" sz="1600"/>
+                    </a:p>
+                  </a:txBody>
+                  <a:tcPr marL="82894" marR="82894" marT="41447" marB="41447"/>
+                </a:tc>
+                <a:tc>
+                  <a:txBody>
+                    <a:bodyPr/>
+                    <a:lstStyle/>
+                    <a:p>
+                      <a:endParaRPr lang="es-PE" sz="1600" dirty="0"/>
+                    </a:p>
+                  </a:txBody>
+                  <a:tcPr marL="82894" marR="82894" marT="41447" marB="41447"/>
+                </a:tc>
+                <a:extLst>
+                  <a:ext uri="{0D108BD9-81ED-4DB2-BD59-A6C34878D82A}">
+                    <a16:rowId xmlns:a16="http://schemas.microsoft.com/office/drawing/2014/main" val="514182713"/>
+                  </a:ext>
+                </a:extLst>
+              </a:tr>
+              <a:tr h="346520">
+                <a:tc>
+                  <a:txBody>
+                    <a:bodyPr/>
+                    <a:lstStyle/>
+                    <a:p>
+                      <a:pPr marL="0" marR="0" indent="0" algn="l" defTabSz="914400" rtl="0" eaLnBrk="1" fontAlgn="auto" latinLnBrk="0" hangingPunct="1">
+                        <a:lnSpc>
+                          <a:spcPct val="100000"/>
+                        </a:lnSpc>
+                        <a:spcBef>
+                          <a:spcPts val="0"/>
+                        </a:spcBef>
+                        <a:spcAft>
+                          <a:spcPts val="0"/>
+                        </a:spcAft>
+                        <a:buClrTx/>
+                        <a:buSzTx/>
+                        <a:buFontTx/>
+                        <a:buNone/>
+                        <a:tabLst/>
+                        <a:defRPr/>
+                      </a:pPr>
+                      <a:r>
+                        <a:rPr lang="es-PE" sz="1600" dirty="0" smtClean="0"/>
+                        <a:t>Creación</a:t>
+                      </a:r>
+                      <a:r>
+                        <a:rPr lang="es-PE" sz="1600" baseline="0" dirty="0" smtClean="0"/>
+                        <a:t> de</a:t>
+                      </a:r>
+                      <a:r>
+                        <a:rPr lang="es-PE" sz="1600" dirty="0" smtClean="0"/>
+                        <a:t> fondos compartidos.</a:t>
+                      </a:r>
+                      <a:endParaRPr lang="es-PE" sz="1600" dirty="0" smtClean="0">
+                        <a:solidFill>
+                          <a:schemeClr val="tx1"/>
+                        </a:solidFill>
+                      </a:endParaRPr>
+                    </a:p>
+                  </a:txBody>
+                  <a:tcPr marL="82894" marR="82894" marT="41447" marB="41447"/>
+                </a:tc>
+                <a:tc>
+                  <a:txBody>
+                    <a:bodyPr/>
+                    <a:lstStyle/>
+                    <a:p>
+                      <a:endParaRPr lang="es-PE" sz="1600"/>
+                    </a:p>
+                  </a:txBody>
+                  <a:tcPr marL="82894" marR="82894" marT="41447" marB="41447"/>
+                </a:tc>
+                <a:tc>
+                  <a:txBody>
+                    <a:bodyPr/>
+                    <a:lstStyle/>
+                    <a:p>
+                      <a:endParaRPr lang="es-PE" sz="1600" dirty="0"/>
+                    </a:p>
+                  </a:txBody>
+                  <a:tcPr marL="82894" marR="82894" marT="41447" marB="41447"/>
+                </a:tc>
+                <a:extLst>
+                  <a:ext uri="{0D108BD9-81ED-4DB2-BD59-A6C34878D82A}">
+                    <a16:rowId xmlns:a16="http://schemas.microsoft.com/office/drawing/2014/main" val="3764475645"/>
+                  </a:ext>
+                </a:extLst>
+              </a:tr>
+              <a:tr h="346520">
+                <a:tc>
+                  <a:txBody>
+                    <a:bodyPr/>
+                    <a:lstStyle/>
+                    <a:p>
+                      <a:pPr marL="0" marR="0" indent="0" algn="l" defTabSz="914400" rtl="0" eaLnBrk="1" fontAlgn="auto" latinLnBrk="0" hangingPunct="1">
+                        <a:lnSpc>
+                          <a:spcPct val="100000"/>
+                        </a:lnSpc>
+                        <a:spcBef>
+                          <a:spcPts val="0"/>
+                        </a:spcBef>
+                        <a:spcAft>
+                          <a:spcPts val="0"/>
+                        </a:spcAft>
+                        <a:buClrTx/>
+                        <a:buSzTx/>
+                        <a:buFontTx/>
+                        <a:buNone/>
+                        <a:tabLst/>
+                        <a:defRPr/>
+                      </a:pPr>
+                      <a:r>
+                        <a:rPr lang="es-PE" sz="1600" dirty="0" smtClean="0"/>
+                        <a:t>Presenta sugerencias de inversiones.</a:t>
+                      </a:r>
+                      <a:endParaRPr lang="es-PE" sz="1600" dirty="0" smtClean="0">
+                        <a:solidFill>
+                          <a:schemeClr val="tx1"/>
+                        </a:solidFill>
+                      </a:endParaRPr>
+                    </a:p>
+                  </a:txBody>
+                  <a:tcPr marL="82894" marR="82894" marT="41447" marB="41447"/>
+                </a:tc>
+                <a:tc>
+                  <a:txBody>
+                    <a:bodyPr/>
+                    <a:lstStyle/>
+                    <a:p>
+                      <a:endParaRPr lang="es-PE" sz="1600"/>
+                    </a:p>
+                  </a:txBody>
+                  <a:tcPr marL="82894" marR="82894" marT="41447" marB="41447"/>
+                </a:tc>
+                <a:tc>
+                  <a:txBody>
+                    <a:bodyPr/>
+                    <a:lstStyle/>
+                    <a:p>
+                      <a:endParaRPr lang="es-PE" sz="1600" dirty="0"/>
+                    </a:p>
+                  </a:txBody>
+                  <a:tcPr marL="82894" marR="82894" marT="41447" marB="41447"/>
+                </a:tc>
+                <a:extLst>
+                  <a:ext uri="{0D108BD9-81ED-4DB2-BD59-A6C34878D82A}">
+                    <a16:rowId xmlns:a16="http://schemas.microsoft.com/office/drawing/2014/main" val="3292441162"/>
+                  </a:ext>
+                </a:extLst>
+              </a:tr>
+              <a:tr h="346520">
+                <a:tc>
+                  <a:txBody>
+                    <a:bodyPr/>
+                    <a:lstStyle/>
+                    <a:p>
+                      <a:pPr marL="0" marR="0" indent="0" algn="l" defTabSz="914400" rtl="0" eaLnBrk="1" fontAlgn="auto" latinLnBrk="0" hangingPunct="1">
+                        <a:lnSpc>
+                          <a:spcPct val="100000"/>
+                        </a:lnSpc>
+                        <a:spcBef>
+                          <a:spcPts val="0"/>
+                        </a:spcBef>
+                        <a:spcAft>
+                          <a:spcPts val="0"/>
+                        </a:spcAft>
+                        <a:buClrTx/>
+                        <a:buSzTx/>
+                        <a:buFontTx/>
+                        <a:buNone/>
+                        <a:tabLst/>
+                        <a:defRPr/>
+                      </a:pPr>
+                      <a:r>
+                        <a:rPr lang="es-PE" sz="1600" dirty="0" smtClean="0"/>
+                        <a:t>Permite modificar los fondos y los plazos.</a:t>
+                      </a:r>
+                      <a:endParaRPr lang="es-PE" sz="1600" dirty="0" smtClean="0">
+                        <a:solidFill>
+                          <a:schemeClr val="tx1"/>
+                        </a:solidFill>
+                      </a:endParaRPr>
+                    </a:p>
+                  </a:txBody>
+                  <a:tcPr marL="82894" marR="82894" marT="41447" marB="41447"/>
+                </a:tc>
+                <a:tc>
+                  <a:txBody>
+                    <a:bodyPr/>
+                    <a:lstStyle/>
+                    <a:p>
+                      <a:endParaRPr lang="es-PE" sz="1600"/>
+                    </a:p>
+                  </a:txBody>
+                  <a:tcPr marL="82894" marR="82894" marT="41447" marB="41447"/>
+                </a:tc>
+                <a:tc>
+                  <a:txBody>
+                    <a:bodyPr/>
+                    <a:lstStyle/>
+                    <a:p>
+                      <a:endParaRPr lang="es-PE" sz="1600" dirty="0"/>
+                    </a:p>
+                  </a:txBody>
+                  <a:tcPr marL="82894" marR="82894" marT="41447" marB="41447"/>
+                </a:tc>
+                <a:extLst>
+                  <a:ext uri="{0D108BD9-81ED-4DB2-BD59-A6C34878D82A}">
+                    <a16:rowId xmlns:a16="http://schemas.microsoft.com/office/drawing/2014/main" val="4076940359"/>
+                  </a:ext>
+                </a:extLst>
+              </a:tr>
+              <a:tr h="346520">
+                <a:tc>
+                  <a:txBody>
+                    <a:bodyPr/>
+                    <a:lstStyle/>
+                    <a:p>
+                      <a:pPr marL="0" marR="0" indent="0" algn="l" defTabSz="914400" rtl="0" eaLnBrk="1" fontAlgn="auto" latinLnBrk="0" hangingPunct="1">
+                        <a:lnSpc>
+                          <a:spcPct val="100000"/>
+                        </a:lnSpc>
+                        <a:spcBef>
+                          <a:spcPts val="0"/>
+                        </a:spcBef>
+                        <a:spcAft>
+                          <a:spcPts val="0"/>
+                        </a:spcAft>
+                        <a:buClrTx/>
+                        <a:buSzTx/>
+                        <a:buFontTx/>
+                        <a:buNone/>
+                        <a:tabLst/>
+                        <a:defRPr/>
+                      </a:pPr>
+                      <a:r>
+                        <a:rPr lang="es-PE" sz="1600" dirty="0" smtClean="0"/>
+                        <a:t>Se realizan depósitos online.</a:t>
+                      </a:r>
+                      <a:endParaRPr lang="es-PE" sz="1600" dirty="0" smtClean="0">
+                        <a:solidFill>
+                          <a:schemeClr val="tx1"/>
+                        </a:solidFill>
+                      </a:endParaRPr>
+                    </a:p>
+                  </a:txBody>
+                  <a:tcPr marL="82894" marR="82894" marT="41447" marB="41447"/>
+                </a:tc>
+                <a:tc>
+                  <a:txBody>
+                    <a:bodyPr/>
+                    <a:lstStyle/>
+                    <a:p>
+                      <a:endParaRPr lang="es-PE" sz="1600"/>
+                    </a:p>
+                  </a:txBody>
+                  <a:tcPr marL="82894" marR="82894" marT="41447" marB="41447"/>
+                </a:tc>
+                <a:tc>
+                  <a:txBody>
+                    <a:bodyPr/>
+                    <a:lstStyle/>
+                    <a:p>
+                      <a:endParaRPr lang="es-PE" sz="1600" dirty="0"/>
+                    </a:p>
+                  </a:txBody>
+                  <a:tcPr marL="82894" marR="82894" marT="41447" marB="41447"/>
+                </a:tc>
+                <a:extLst>
+                  <a:ext uri="{0D108BD9-81ED-4DB2-BD59-A6C34878D82A}">
+                    <a16:rowId xmlns:a16="http://schemas.microsoft.com/office/drawing/2014/main" val="13623773"/>
+                  </a:ext>
+                </a:extLst>
+              </a:tr>
+              <a:tr h="346520">
+                <a:tc>
+                  <a:txBody>
+                    <a:bodyPr/>
+                    <a:lstStyle/>
+                    <a:p>
+                      <a:r>
+                        <a:rPr lang="es-PE" sz="1600" dirty="0" smtClean="0"/>
+                        <a:t>Visualización de los fondos en el tiempo.</a:t>
+                      </a:r>
+                    </a:p>
+                  </a:txBody>
+                  <a:tcPr marL="82894" marR="82894" marT="41447" marB="41447"/>
+                </a:tc>
+                <a:tc>
+                  <a:txBody>
+                    <a:bodyPr/>
+                    <a:lstStyle/>
+                    <a:p>
+                      <a:endParaRPr lang="es-PE" sz="1600"/>
+                    </a:p>
+                  </a:txBody>
+                  <a:tcPr marL="82894" marR="82894" marT="41447" marB="41447"/>
+                </a:tc>
+                <a:tc>
+                  <a:txBody>
+                    <a:bodyPr/>
+                    <a:lstStyle/>
+                    <a:p>
+                      <a:endParaRPr lang="es-PE" sz="1600" dirty="0"/>
+                    </a:p>
+                  </a:txBody>
+                  <a:tcPr marL="82894" marR="82894" marT="41447" marB="41447"/>
+                </a:tc>
+                <a:extLst>
+                  <a:ext uri="{0D108BD9-81ED-4DB2-BD59-A6C34878D82A}">
+                    <a16:rowId xmlns:a16="http://schemas.microsoft.com/office/drawing/2014/main" val="1303332914"/>
+                  </a:ext>
+                </a:extLst>
+              </a:tr>
+            </a:tbl>
+          </a:graphicData>
+        </a:graphic>
+      </p:graphicFrame>
+      <p:pic>
+        <p:nvPicPr>
+          <p:cNvPr id="5" name="Picture 2" descr="https://fintual.cl/assets/fintual-bebb775a2c30859716f670407872068147e5f3e9d19644dba4dd3cb331f62b5b.png"/>
+          <p:cNvPicPr>
+            <a:picLocks noChangeAspect="1" noChangeArrowheads="1"/>
+          </p:cNvPicPr>
+          <p:nvPr/>
+        </p:nvPicPr>
+        <p:blipFill rotWithShape="1">
+          <a:blip r:embed="rId2">
+            <a:extLst>
+              <a:ext uri="{28A0092B-C50C-407E-A947-70E740481C1C}">
+                <a14:useLocalDpi xmlns:a14="http://schemas.microsoft.com/office/drawing/2010/main" val="0"/>
+              </a:ext>
+            </a:extLst>
+          </a:blip>
+          <a:srcRect t="12981" b="-1144"/>
+          <a:stretch/>
+        </p:blipFill>
+        <p:spPr bwMode="auto">
+          <a:xfrm>
+            <a:off x="4621766" y="1193"/>
+            <a:ext cx="2667351" cy="747043"/>
+          </a:xfrm>
+          <a:prstGeom prst="rect">
+            <a:avLst/>
+          </a:prstGeom>
+          <a:noFill/>
+          <a:extLst>
+            <a:ext uri="{909E8E84-426E-40DD-AFC4-6F175D3DCCD1}">
+              <a14:hiddenFill xmlns:a14="http://schemas.microsoft.com/office/drawing/2010/main">
+                <a:solidFill>
+                  <a:srgbClr val="FFFFFF"/>
+                </a:solidFill>
+              </a14:hiddenFill>
+            </a:ext>
+          </a:extLst>
+        </p:spPr>
+      </p:pic>
+      <p:pic>
+        <p:nvPicPr>
+          <p:cNvPr id="6" name="Picture 6" descr="Resultado de imagen para oi warren png"/>
+          <p:cNvPicPr>
+            <a:picLocks noChangeAspect="1" noChangeArrowheads="1"/>
+          </p:cNvPicPr>
+          <p:nvPr/>
+        </p:nvPicPr>
+        <p:blipFill rotWithShape="1">
+          <a:blip r:embed="rId3">
+            <a:extLst>
+              <a:ext uri="{28A0092B-C50C-407E-A947-70E740481C1C}">
+                <a14:useLocalDpi xmlns:a14="http://schemas.microsoft.com/office/drawing/2010/main" val="0"/>
+              </a:ext>
+            </a:extLst>
+          </a:blip>
+          <a:srcRect t="12198" b="13762"/>
+          <a:stretch/>
+        </p:blipFill>
+        <p:spPr bwMode="auto">
+          <a:xfrm>
+            <a:off x="8272235" y="0"/>
+            <a:ext cx="2620697" cy="748235"/>
+          </a:xfrm>
+          <a:prstGeom prst="rect">
+            <a:avLst/>
+          </a:prstGeom>
+          <a:noFill/>
+          <a:extLst>
+            <a:ext uri="{909E8E84-426E-40DD-AFC4-6F175D3DCCD1}">
+              <a14:hiddenFill xmlns:a14="http://schemas.microsoft.com/office/drawing/2010/main">
+                <a:solidFill>
+                  <a:srgbClr val="FFFFFF"/>
+                </a:solidFill>
+              </a14:hiddenFill>
+            </a:ext>
+          </a:extLst>
+        </p:spPr>
+      </p:pic>
+      <p:pic>
+        <p:nvPicPr>
+          <p:cNvPr id="7" name="Picture 8" descr="Resultado de imagen para check png"/>
+          <p:cNvPicPr>
+            <a:picLocks noChangeAspect="1" noChangeArrowheads="1"/>
+          </p:cNvPicPr>
+          <p:nvPr/>
+        </p:nvPicPr>
+        <p:blipFill rotWithShape="1">
+          <a:blip r:embed="rId4" cstate="print">
+            <a:extLst>
+              <a:ext uri="{28A0092B-C50C-407E-A947-70E740481C1C}">
+                <a14:useLocalDpi xmlns:a14="http://schemas.microsoft.com/office/drawing/2010/main" val="0"/>
+              </a:ext>
+            </a:extLst>
+          </a:blip>
+          <a:srcRect l="13839" t="15730" r="17843" b="19679"/>
+          <a:stretch/>
+        </p:blipFill>
+        <p:spPr bwMode="auto">
+          <a:xfrm>
+            <a:off x="9490841" y="748235"/>
+            <a:ext cx="360000" cy="340363"/>
+          </a:xfrm>
+          <a:prstGeom prst="rect">
+            <a:avLst/>
+          </a:prstGeom>
+          <a:noFill/>
+          <a:extLst>
+            <a:ext uri="{909E8E84-426E-40DD-AFC4-6F175D3DCCD1}">
+              <a14:hiddenFill xmlns:a14="http://schemas.microsoft.com/office/drawing/2010/main">
+                <a:solidFill>
+                  <a:srgbClr val="FFFFFF"/>
+                </a:solidFill>
+              </a14:hiddenFill>
+            </a:ext>
+          </a:extLst>
+        </p:spPr>
+      </p:pic>
+      <p:pic>
+        <p:nvPicPr>
+          <p:cNvPr id="8" name="Picture 8" descr="Resultado de imagen para check png"/>
+          <p:cNvPicPr>
+            <a:picLocks noChangeAspect="1" noChangeArrowheads="1"/>
+          </p:cNvPicPr>
+          <p:nvPr/>
+        </p:nvPicPr>
+        <p:blipFill rotWithShape="1">
+          <a:blip r:embed="rId4" cstate="print">
+            <a:extLst>
+              <a:ext uri="{28A0092B-C50C-407E-A947-70E740481C1C}">
+                <a14:useLocalDpi xmlns:a14="http://schemas.microsoft.com/office/drawing/2010/main" val="0"/>
+              </a:ext>
+            </a:extLst>
+          </a:blip>
+          <a:srcRect l="13839" t="15730" r="17843" b="19679"/>
+          <a:stretch/>
+        </p:blipFill>
+        <p:spPr bwMode="auto">
+          <a:xfrm>
+            <a:off x="9493489" y="1125068"/>
+            <a:ext cx="360000" cy="340363"/>
+          </a:xfrm>
+          <a:prstGeom prst="rect">
+            <a:avLst/>
+          </a:prstGeom>
+          <a:noFill/>
+          <a:extLst>
+            <a:ext uri="{909E8E84-426E-40DD-AFC4-6F175D3DCCD1}">
+              <a14:hiddenFill xmlns:a14="http://schemas.microsoft.com/office/drawing/2010/main">
+                <a:solidFill>
+                  <a:srgbClr val="FFFFFF"/>
+                </a:solidFill>
+              </a14:hiddenFill>
+            </a:ext>
+          </a:extLst>
+        </p:spPr>
+      </p:pic>
+      <p:pic>
+        <p:nvPicPr>
+          <p:cNvPr id="9" name="Picture 8" descr="Resultado de imagen para check png"/>
+          <p:cNvPicPr>
+            <a:picLocks noChangeAspect="1" noChangeArrowheads="1"/>
+          </p:cNvPicPr>
+          <p:nvPr/>
+        </p:nvPicPr>
+        <p:blipFill rotWithShape="1">
+          <a:blip r:embed="rId4" cstate="print">
+            <a:extLst>
+              <a:ext uri="{28A0092B-C50C-407E-A947-70E740481C1C}">
+                <a14:useLocalDpi xmlns:a14="http://schemas.microsoft.com/office/drawing/2010/main" val="0"/>
+              </a:ext>
+            </a:extLst>
+          </a:blip>
+          <a:srcRect l="13839" t="15730" r="17843" b="19679"/>
+          <a:stretch/>
+        </p:blipFill>
+        <p:spPr bwMode="auto">
+          <a:xfrm>
+            <a:off x="9490841" y="1750433"/>
+            <a:ext cx="360000" cy="340363"/>
+          </a:xfrm>
+          <a:prstGeom prst="rect">
+            <a:avLst/>
+          </a:prstGeom>
+          <a:noFill/>
+          <a:extLst>
+            <a:ext uri="{909E8E84-426E-40DD-AFC4-6F175D3DCCD1}">
+              <a14:hiddenFill xmlns:a14="http://schemas.microsoft.com/office/drawing/2010/main">
+                <a:solidFill>
+                  <a:srgbClr val="FFFFFF"/>
+                </a:solidFill>
+              </a14:hiddenFill>
+            </a:ext>
+          </a:extLst>
+        </p:spPr>
+      </p:pic>
+      <p:pic>
+        <p:nvPicPr>
+          <p:cNvPr id="10" name="Picture 8" descr="Resultado de imagen para check png"/>
+          <p:cNvPicPr>
+            <a:picLocks noChangeAspect="1" noChangeArrowheads="1"/>
+          </p:cNvPicPr>
+          <p:nvPr/>
+        </p:nvPicPr>
+        <p:blipFill rotWithShape="1">
+          <a:blip r:embed="rId4" cstate="print">
+            <a:extLst>
+              <a:ext uri="{28A0092B-C50C-407E-A947-70E740481C1C}">
+                <a14:useLocalDpi xmlns:a14="http://schemas.microsoft.com/office/drawing/2010/main" val="0"/>
+              </a:ext>
+            </a:extLst>
+          </a:blip>
+          <a:srcRect l="13839" t="15730" r="17843" b="19679"/>
+          <a:stretch/>
+        </p:blipFill>
+        <p:spPr bwMode="auto">
+          <a:xfrm>
+            <a:off x="9490841" y="2205616"/>
+            <a:ext cx="360000" cy="340363"/>
+          </a:xfrm>
+          <a:prstGeom prst="rect">
+            <a:avLst/>
+          </a:prstGeom>
+          <a:noFill/>
+          <a:extLst>
+            <a:ext uri="{909E8E84-426E-40DD-AFC4-6F175D3DCCD1}">
+              <a14:hiddenFill xmlns:a14="http://schemas.microsoft.com/office/drawing/2010/main">
+                <a:solidFill>
+                  <a:srgbClr val="FFFFFF"/>
+                </a:solidFill>
+              </a14:hiddenFill>
+            </a:ext>
+          </a:extLst>
+        </p:spPr>
+      </p:pic>
+      <p:pic>
+        <p:nvPicPr>
+          <p:cNvPr id="11" name="Picture 8" descr="Resultado de imagen para check png"/>
+          <p:cNvPicPr>
+            <a:picLocks noChangeAspect="1" noChangeArrowheads="1"/>
+          </p:cNvPicPr>
+          <p:nvPr/>
+        </p:nvPicPr>
+        <p:blipFill rotWithShape="1">
+          <a:blip r:embed="rId4" cstate="print">
+            <a:extLst>
+              <a:ext uri="{28A0092B-C50C-407E-A947-70E740481C1C}">
+                <a14:useLocalDpi xmlns:a14="http://schemas.microsoft.com/office/drawing/2010/main" val="0"/>
+              </a:ext>
+            </a:extLst>
+          </a:blip>
+          <a:srcRect l="13839" t="15730" r="17843" b="19679"/>
+          <a:stretch/>
+        </p:blipFill>
+        <p:spPr bwMode="auto">
+          <a:xfrm>
+            <a:off x="9490841" y="2582449"/>
+            <a:ext cx="360000" cy="340363"/>
+          </a:xfrm>
+          <a:prstGeom prst="rect">
+            <a:avLst/>
+          </a:prstGeom>
+          <a:noFill/>
+          <a:extLst>
+            <a:ext uri="{909E8E84-426E-40DD-AFC4-6F175D3DCCD1}">
+              <a14:hiddenFill xmlns:a14="http://schemas.microsoft.com/office/drawing/2010/main">
+                <a:solidFill>
+                  <a:srgbClr val="FFFFFF"/>
+                </a:solidFill>
+              </a14:hiddenFill>
+            </a:ext>
+          </a:extLst>
+        </p:spPr>
+      </p:pic>
+      <p:pic>
+        <p:nvPicPr>
+          <p:cNvPr id="12" name="Picture 8" descr="Resultado de imagen para check png"/>
+          <p:cNvPicPr>
+            <a:picLocks noChangeAspect="1" noChangeArrowheads="1"/>
+          </p:cNvPicPr>
+          <p:nvPr/>
+        </p:nvPicPr>
+        <p:blipFill rotWithShape="1">
+          <a:blip r:embed="rId4" cstate="print">
+            <a:extLst>
+              <a:ext uri="{28A0092B-C50C-407E-A947-70E740481C1C}">
+                <a14:useLocalDpi xmlns:a14="http://schemas.microsoft.com/office/drawing/2010/main" val="0"/>
+              </a:ext>
+            </a:extLst>
+          </a:blip>
+          <a:srcRect l="13839" t="15730" r="17843" b="19679"/>
+          <a:stretch/>
+        </p:blipFill>
+        <p:spPr bwMode="auto">
+          <a:xfrm>
+            <a:off x="9490841" y="3034415"/>
+            <a:ext cx="360000" cy="340363"/>
+          </a:xfrm>
+          <a:prstGeom prst="rect">
+            <a:avLst/>
+          </a:prstGeom>
+          <a:noFill/>
+          <a:extLst>
+            <a:ext uri="{909E8E84-426E-40DD-AFC4-6F175D3DCCD1}">
+              <a14:hiddenFill xmlns:a14="http://schemas.microsoft.com/office/drawing/2010/main">
+                <a:solidFill>
+                  <a:srgbClr val="FFFFFF"/>
+                </a:solidFill>
+              </a14:hiddenFill>
+            </a:ext>
+          </a:extLst>
+        </p:spPr>
+      </p:pic>
+      <p:pic>
+        <p:nvPicPr>
+          <p:cNvPr id="13" name="Picture 8" descr="Resultado de imagen para check png"/>
+          <p:cNvPicPr>
+            <a:picLocks noChangeAspect="1" noChangeArrowheads="1"/>
+          </p:cNvPicPr>
+          <p:nvPr/>
+        </p:nvPicPr>
+        <p:blipFill rotWithShape="1">
+          <a:blip r:embed="rId4" cstate="print">
+            <a:extLst>
+              <a:ext uri="{28A0092B-C50C-407E-A947-70E740481C1C}">
+                <a14:useLocalDpi xmlns:a14="http://schemas.microsoft.com/office/drawing/2010/main" val="0"/>
+              </a:ext>
+            </a:extLst>
+          </a:blip>
+          <a:srcRect l="13839" t="15730" r="17843" b="19679"/>
+          <a:stretch/>
+        </p:blipFill>
+        <p:spPr bwMode="auto">
+          <a:xfrm>
+            <a:off x="9490841" y="3511601"/>
+            <a:ext cx="360000" cy="340363"/>
+          </a:xfrm>
+          <a:prstGeom prst="rect">
+            <a:avLst/>
+          </a:prstGeom>
+          <a:noFill/>
+          <a:extLst>
+            <a:ext uri="{909E8E84-426E-40DD-AFC4-6F175D3DCCD1}">
+              <a14:hiddenFill xmlns:a14="http://schemas.microsoft.com/office/drawing/2010/main">
+                <a:solidFill>
+                  <a:srgbClr val="FFFFFF"/>
+                </a:solidFill>
+              </a14:hiddenFill>
+            </a:ext>
+          </a:extLst>
+        </p:spPr>
+      </p:pic>
+      <p:pic>
+        <p:nvPicPr>
+          <p:cNvPr id="14" name="Picture 8" descr="Resultado de imagen para check png"/>
+          <p:cNvPicPr>
+            <a:picLocks noChangeAspect="1" noChangeArrowheads="1"/>
+          </p:cNvPicPr>
+          <p:nvPr/>
+        </p:nvPicPr>
+        <p:blipFill rotWithShape="1">
+          <a:blip r:embed="rId4" cstate="print">
+            <a:extLst>
+              <a:ext uri="{28A0092B-C50C-407E-A947-70E740481C1C}">
+                <a14:useLocalDpi xmlns:a14="http://schemas.microsoft.com/office/drawing/2010/main" val="0"/>
+              </a:ext>
+            </a:extLst>
+          </a:blip>
+          <a:srcRect l="13839" t="15730" r="17843" b="19679"/>
+          <a:stretch/>
+        </p:blipFill>
+        <p:spPr bwMode="auto">
+          <a:xfrm>
+            <a:off x="9490841" y="3851964"/>
+            <a:ext cx="360000" cy="340363"/>
+          </a:xfrm>
+          <a:prstGeom prst="rect">
+            <a:avLst/>
+          </a:prstGeom>
+          <a:noFill/>
+          <a:extLst>
+            <a:ext uri="{909E8E84-426E-40DD-AFC4-6F175D3DCCD1}">
+              <a14:hiddenFill xmlns:a14="http://schemas.microsoft.com/office/drawing/2010/main">
+                <a:solidFill>
+                  <a:srgbClr val="FFFFFF"/>
+                </a:solidFill>
+              </a14:hiddenFill>
+            </a:ext>
+          </a:extLst>
+        </p:spPr>
+      </p:pic>
+      <p:pic>
+        <p:nvPicPr>
+          <p:cNvPr id="15" name="Picture 8" descr="Resultado de imagen para check png"/>
+          <p:cNvPicPr>
+            <a:picLocks noChangeAspect="1" noChangeArrowheads="1"/>
+          </p:cNvPicPr>
+          <p:nvPr/>
+        </p:nvPicPr>
+        <p:blipFill rotWithShape="1">
+          <a:blip r:embed="rId4" cstate="print">
+            <a:extLst>
+              <a:ext uri="{28A0092B-C50C-407E-A947-70E740481C1C}">
+                <a14:useLocalDpi xmlns:a14="http://schemas.microsoft.com/office/drawing/2010/main" val="0"/>
+              </a:ext>
+            </a:extLst>
+          </a:blip>
+          <a:srcRect l="13839" t="15730" r="17843" b="19679"/>
+          <a:stretch/>
+        </p:blipFill>
+        <p:spPr bwMode="auto">
+          <a:xfrm>
+            <a:off x="9490841" y="4222173"/>
+            <a:ext cx="360000" cy="340363"/>
+          </a:xfrm>
+          <a:prstGeom prst="rect">
+            <a:avLst/>
+          </a:prstGeom>
+          <a:noFill/>
+          <a:extLst>
+            <a:ext uri="{909E8E84-426E-40DD-AFC4-6F175D3DCCD1}">
+              <a14:hiddenFill xmlns:a14="http://schemas.microsoft.com/office/drawing/2010/main">
+                <a:solidFill>
+                  <a:srgbClr val="FFFFFF"/>
+                </a:solidFill>
+              </a14:hiddenFill>
+            </a:ext>
+          </a:extLst>
+        </p:spPr>
+      </p:pic>
+      <p:pic>
+        <p:nvPicPr>
+          <p:cNvPr id="16" name="Picture 8" descr="Resultado de imagen para check png"/>
+          <p:cNvPicPr>
+            <a:picLocks noChangeAspect="1" noChangeArrowheads="1"/>
+          </p:cNvPicPr>
+          <p:nvPr/>
+        </p:nvPicPr>
+        <p:blipFill rotWithShape="1">
+          <a:blip r:embed="rId4" cstate="print">
+            <a:extLst>
+              <a:ext uri="{28A0092B-C50C-407E-A947-70E740481C1C}">
+                <a14:useLocalDpi xmlns:a14="http://schemas.microsoft.com/office/drawing/2010/main" val="0"/>
+              </a:ext>
+            </a:extLst>
+          </a:blip>
+          <a:srcRect l="13839" t="15730" r="17843" b="19679"/>
+          <a:stretch/>
+        </p:blipFill>
+        <p:spPr bwMode="auto">
+          <a:xfrm>
+            <a:off x="9490841" y="4562536"/>
+            <a:ext cx="360000" cy="340363"/>
+          </a:xfrm>
+          <a:prstGeom prst="rect">
+            <a:avLst/>
+          </a:prstGeom>
+          <a:noFill/>
+          <a:extLst>
+            <a:ext uri="{909E8E84-426E-40DD-AFC4-6F175D3DCCD1}">
+              <a14:hiddenFill xmlns:a14="http://schemas.microsoft.com/office/drawing/2010/main">
+                <a:solidFill>
+                  <a:srgbClr val="FFFFFF"/>
+                </a:solidFill>
+              </a14:hiddenFill>
+            </a:ext>
+          </a:extLst>
+        </p:spPr>
+      </p:pic>
+      <p:pic>
+        <p:nvPicPr>
+          <p:cNvPr id="17" name="Picture 8" descr="Resultado de imagen para check png"/>
+          <p:cNvPicPr>
+            <a:picLocks noChangeAspect="1" noChangeArrowheads="1"/>
+          </p:cNvPicPr>
+          <p:nvPr/>
+        </p:nvPicPr>
+        <p:blipFill rotWithShape="1">
+          <a:blip r:embed="rId4" cstate="print">
+            <a:extLst>
+              <a:ext uri="{28A0092B-C50C-407E-A947-70E740481C1C}">
+                <a14:useLocalDpi xmlns:a14="http://schemas.microsoft.com/office/drawing/2010/main" val="0"/>
+              </a:ext>
+            </a:extLst>
+          </a:blip>
+          <a:srcRect l="13839" t="15730" r="17843" b="19679"/>
+          <a:stretch/>
+        </p:blipFill>
+        <p:spPr bwMode="auto">
+          <a:xfrm>
+            <a:off x="9490841" y="4935034"/>
+            <a:ext cx="360000" cy="340363"/>
+          </a:xfrm>
+          <a:prstGeom prst="rect">
+            <a:avLst/>
+          </a:prstGeom>
+          <a:noFill/>
+          <a:extLst>
+            <a:ext uri="{909E8E84-426E-40DD-AFC4-6F175D3DCCD1}">
+              <a14:hiddenFill xmlns:a14="http://schemas.microsoft.com/office/drawing/2010/main">
+                <a:solidFill>
+                  <a:srgbClr val="FFFFFF"/>
+                </a:solidFill>
+              </a14:hiddenFill>
+            </a:ext>
+          </a:extLst>
+        </p:spPr>
+      </p:pic>
+      <p:pic>
+        <p:nvPicPr>
+          <p:cNvPr id="18" name="Picture 8" descr="Resultado de imagen para check png"/>
+          <p:cNvPicPr>
+            <a:picLocks noChangeAspect="1" noChangeArrowheads="1"/>
+          </p:cNvPicPr>
+          <p:nvPr/>
+        </p:nvPicPr>
+        <p:blipFill rotWithShape="1">
+          <a:blip r:embed="rId4" cstate="print">
+            <a:extLst>
+              <a:ext uri="{28A0092B-C50C-407E-A947-70E740481C1C}">
+                <a14:useLocalDpi xmlns:a14="http://schemas.microsoft.com/office/drawing/2010/main" val="0"/>
+              </a:ext>
+            </a:extLst>
+          </a:blip>
+          <a:srcRect l="13839" t="15730" r="17843" b="19679"/>
+          <a:stretch/>
+        </p:blipFill>
+        <p:spPr bwMode="auto">
+          <a:xfrm>
+            <a:off x="9490841" y="5454278"/>
+            <a:ext cx="360000" cy="340363"/>
+          </a:xfrm>
+          <a:prstGeom prst="rect">
+            <a:avLst/>
+          </a:prstGeom>
+          <a:noFill/>
+          <a:extLst>
+            <a:ext uri="{909E8E84-426E-40DD-AFC4-6F175D3DCCD1}">
+              <a14:hiddenFill xmlns:a14="http://schemas.microsoft.com/office/drawing/2010/main">
+                <a:solidFill>
+                  <a:srgbClr val="FFFFFF"/>
+                </a:solidFill>
+              </a14:hiddenFill>
+            </a:ext>
+          </a:extLst>
+        </p:spPr>
+      </p:pic>
+      <p:pic>
+        <p:nvPicPr>
+          <p:cNvPr id="19" name="Picture 8" descr="Resultado de imagen para check png"/>
+          <p:cNvPicPr>
+            <a:picLocks noChangeAspect="1" noChangeArrowheads="1"/>
+          </p:cNvPicPr>
+          <p:nvPr/>
+        </p:nvPicPr>
+        <p:blipFill rotWithShape="1">
+          <a:blip r:embed="rId4" cstate="print">
+            <a:extLst>
+              <a:ext uri="{28A0092B-C50C-407E-A947-70E740481C1C}">
+                <a14:useLocalDpi xmlns:a14="http://schemas.microsoft.com/office/drawing/2010/main" val="0"/>
+              </a:ext>
+            </a:extLst>
+          </a:blip>
+          <a:srcRect l="13839" t="15730" r="17843" b="19679"/>
+          <a:stretch/>
+        </p:blipFill>
+        <p:spPr bwMode="auto">
+          <a:xfrm>
+            <a:off x="9490841" y="5746035"/>
+            <a:ext cx="360000" cy="340363"/>
+          </a:xfrm>
+          <a:prstGeom prst="rect">
+            <a:avLst/>
+          </a:prstGeom>
+          <a:noFill/>
+          <a:extLst>
+            <a:ext uri="{909E8E84-426E-40DD-AFC4-6F175D3DCCD1}">
+              <a14:hiddenFill xmlns:a14="http://schemas.microsoft.com/office/drawing/2010/main">
+                <a:solidFill>
+                  <a:srgbClr val="FFFFFF"/>
+                </a:solidFill>
+              </a14:hiddenFill>
+            </a:ext>
+          </a:extLst>
+        </p:spPr>
+      </p:pic>
+      <p:pic>
+        <p:nvPicPr>
+          <p:cNvPr id="20" name="Picture 8" descr="Resultado de imagen para check png"/>
+          <p:cNvPicPr>
+            <a:picLocks noChangeAspect="1" noChangeArrowheads="1"/>
+          </p:cNvPicPr>
+          <p:nvPr/>
+        </p:nvPicPr>
+        <p:blipFill rotWithShape="1">
+          <a:blip r:embed="rId4" cstate="print">
+            <a:extLst>
+              <a:ext uri="{28A0092B-C50C-407E-A947-70E740481C1C}">
+                <a14:useLocalDpi xmlns:a14="http://schemas.microsoft.com/office/drawing/2010/main" val="0"/>
+              </a:ext>
+            </a:extLst>
+          </a:blip>
+          <a:srcRect l="13839" t="15730" r="17843" b="19679"/>
+          <a:stretch/>
+        </p:blipFill>
+        <p:spPr bwMode="auto">
+          <a:xfrm>
+            <a:off x="9490841" y="6256911"/>
+            <a:ext cx="360000" cy="340363"/>
+          </a:xfrm>
+          <a:prstGeom prst="rect">
+            <a:avLst/>
+          </a:prstGeom>
+          <a:noFill/>
+          <a:extLst>
+            <a:ext uri="{909E8E84-426E-40DD-AFC4-6F175D3DCCD1}">
+              <a14:hiddenFill xmlns:a14="http://schemas.microsoft.com/office/drawing/2010/main">
+                <a:solidFill>
+                  <a:srgbClr val="FFFFFF"/>
+                </a:solidFill>
+              </a14:hiddenFill>
+            </a:ext>
+          </a:extLst>
+        </p:spPr>
+      </p:pic>
+      <p:pic>
+        <p:nvPicPr>
+          <p:cNvPr id="21" name="Picture 8" descr="Resultado de imagen para check png"/>
+          <p:cNvPicPr>
+            <a:picLocks noChangeAspect="1" noChangeArrowheads="1"/>
+          </p:cNvPicPr>
+          <p:nvPr/>
+        </p:nvPicPr>
+        <p:blipFill rotWithShape="1">
+          <a:blip r:embed="rId4" cstate="print">
+            <a:extLst>
+              <a:ext uri="{28A0092B-C50C-407E-A947-70E740481C1C}">
+                <a14:useLocalDpi xmlns:a14="http://schemas.microsoft.com/office/drawing/2010/main" val="0"/>
+              </a:ext>
+            </a:extLst>
+          </a:blip>
+          <a:srcRect l="13839" t="15730" r="17843" b="19679"/>
+          <a:stretch/>
+        </p:blipFill>
+        <p:spPr bwMode="auto">
+          <a:xfrm>
+            <a:off x="5838511" y="748235"/>
+            <a:ext cx="360000" cy="340363"/>
+          </a:xfrm>
+          <a:prstGeom prst="rect">
+            <a:avLst/>
+          </a:prstGeom>
+          <a:noFill/>
+          <a:extLst>
+            <a:ext uri="{909E8E84-426E-40DD-AFC4-6F175D3DCCD1}">
+              <a14:hiddenFill xmlns:a14="http://schemas.microsoft.com/office/drawing/2010/main">
+                <a:solidFill>
+                  <a:srgbClr val="FFFFFF"/>
+                </a:solidFill>
+              </a14:hiddenFill>
+            </a:ext>
+          </a:extLst>
+        </p:spPr>
+      </p:pic>
+      <p:pic>
+        <p:nvPicPr>
+          <p:cNvPr id="22" name="Picture 8" descr="Resultado de imagen para check png"/>
+          <p:cNvPicPr>
+            <a:picLocks noChangeAspect="1" noChangeArrowheads="1"/>
+          </p:cNvPicPr>
+          <p:nvPr/>
+        </p:nvPicPr>
+        <p:blipFill rotWithShape="1">
+          <a:blip r:embed="rId4" cstate="print">
+            <a:extLst>
+              <a:ext uri="{28A0092B-C50C-407E-A947-70E740481C1C}">
+                <a14:useLocalDpi xmlns:a14="http://schemas.microsoft.com/office/drawing/2010/main" val="0"/>
+              </a:ext>
+            </a:extLst>
+          </a:blip>
+          <a:srcRect l="13839" t="15730" r="17843" b="19679"/>
+          <a:stretch/>
+        </p:blipFill>
+        <p:spPr bwMode="auto">
+          <a:xfrm>
+            <a:off x="5841159" y="1125068"/>
+            <a:ext cx="360000" cy="340363"/>
+          </a:xfrm>
+          <a:prstGeom prst="rect">
+            <a:avLst/>
+          </a:prstGeom>
+          <a:noFill/>
+          <a:extLst>
+            <a:ext uri="{909E8E84-426E-40DD-AFC4-6F175D3DCCD1}">
+              <a14:hiddenFill xmlns:a14="http://schemas.microsoft.com/office/drawing/2010/main">
+                <a:solidFill>
+                  <a:srgbClr val="FFFFFF"/>
+                </a:solidFill>
+              </a14:hiddenFill>
+            </a:ext>
+          </a:extLst>
+        </p:spPr>
+      </p:pic>
+      <p:pic>
+        <p:nvPicPr>
+          <p:cNvPr id="23" name="Picture 8" descr="Resultado de imagen para check png"/>
+          <p:cNvPicPr>
+            <a:picLocks noChangeAspect="1" noChangeArrowheads="1"/>
+          </p:cNvPicPr>
+          <p:nvPr/>
+        </p:nvPicPr>
+        <p:blipFill rotWithShape="1">
+          <a:blip r:embed="rId4" cstate="print">
+            <a:extLst>
+              <a:ext uri="{28A0092B-C50C-407E-A947-70E740481C1C}">
+                <a14:useLocalDpi xmlns:a14="http://schemas.microsoft.com/office/drawing/2010/main" val="0"/>
+              </a:ext>
+            </a:extLst>
+          </a:blip>
+          <a:srcRect l="13839" t="15730" r="17843" b="19679"/>
+          <a:stretch/>
+        </p:blipFill>
+        <p:spPr bwMode="auto">
+          <a:xfrm>
+            <a:off x="5838511" y="1750433"/>
+            <a:ext cx="360000" cy="340363"/>
+          </a:xfrm>
+          <a:prstGeom prst="rect">
+            <a:avLst/>
+          </a:prstGeom>
+          <a:noFill/>
+          <a:extLst>
+            <a:ext uri="{909E8E84-426E-40DD-AFC4-6F175D3DCCD1}">
+              <a14:hiddenFill xmlns:a14="http://schemas.microsoft.com/office/drawing/2010/main">
+                <a:solidFill>
+                  <a:srgbClr val="FFFFFF"/>
+                </a:solidFill>
+              </a14:hiddenFill>
+            </a:ext>
+          </a:extLst>
+        </p:spPr>
+      </p:pic>
+      <p:pic>
+        <p:nvPicPr>
+          <p:cNvPr id="24" name="Picture 8" descr="Resultado de imagen para check png"/>
+          <p:cNvPicPr>
+            <a:picLocks noChangeAspect="1" noChangeArrowheads="1"/>
+          </p:cNvPicPr>
+          <p:nvPr/>
+        </p:nvPicPr>
+        <p:blipFill rotWithShape="1">
+          <a:blip r:embed="rId4" cstate="print">
+            <a:extLst>
+              <a:ext uri="{28A0092B-C50C-407E-A947-70E740481C1C}">
+                <a14:useLocalDpi xmlns:a14="http://schemas.microsoft.com/office/drawing/2010/main" val="0"/>
+              </a:ext>
+            </a:extLst>
+          </a:blip>
+          <a:srcRect l="13839" t="15730" r="17843" b="19679"/>
+          <a:stretch/>
+        </p:blipFill>
+        <p:spPr bwMode="auto">
+          <a:xfrm>
+            <a:off x="5838511" y="2205616"/>
+            <a:ext cx="360000" cy="340363"/>
+          </a:xfrm>
+          <a:prstGeom prst="rect">
+            <a:avLst/>
+          </a:prstGeom>
+          <a:noFill/>
+          <a:extLst>
+            <a:ext uri="{909E8E84-426E-40DD-AFC4-6F175D3DCCD1}">
+              <a14:hiddenFill xmlns:a14="http://schemas.microsoft.com/office/drawing/2010/main">
+                <a:solidFill>
+                  <a:srgbClr val="FFFFFF"/>
+                </a:solidFill>
+              </a14:hiddenFill>
+            </a:ext>
+          </a:extLst>
+        </p:spPr>
+      </p:pic>
+      <p:pic>
+        <p:nvPicPr>
+          <p:cNvPr id="25" name="Picture 8" descr="Resultado de imagen para check png"/>
+          <p:cNvPicPr>
+            <a:picLocks noChangeAspect="1" noChangeArrowheads="1"/>
+          </p:cNvPicPr>
+          <p:nvPr/>
+        </p:nvPicPr>
+        <p:blipFill rotWithShape="1">
+          <a:blip r:embed="rId4" cstate="print">
+            <a:extLst>
+              <a:ext uri="{28A0092B-C50C-407E-A947-70E740481C1C}">
+                <a14:useLocalDpi xmlns:a14="http://schemas.microsoft.com/office/drawing/2010/main" val="0"/>
+              </a:ext>
+            </a:extLst>
+          </a:blip>
+          <a:srcRect l="13839" t="15730" r="17843" b="19679"/>
+          <a:stretch/>
+        </p:blipFill>
+        <p:spPr bwMode="auto">
+          <a:xfrm>
+            <a:off x="5838511" y="2582449"/>
+            <a:ext cx="360000" cy="340363"/>
+          </a:xfrm>
+          <a:prstGeom prst="rect">
+            <a:avLst/>
+          </a:prstGeom>
+          <a:noFill/>
+          <a:extLst>
+            <a:ext uri="{909E8E84-426E-40DD-AFC4-6F175D3DCCD1}">
+              <a14:hiddenFill xmlns:a14="http://schemas.microsoft.com/office/drawing/2010/main">
+                <a:solidFill>
+                  <a:srgbClr val="FFFFFF"/>
+                </a:solidFill>
+              </a14:hiddenFill>
+            </a:ext>
+          </a:extLst>
+        </p:spPr>
+      </p:pic>
+      <p:pic>
+        <p:nvPicPr>
+          <p:cNvPr id="26" name="Picture 8" descr="Resultado de imagen para check png"/>
+          <p:cNvPicPr>
+            <a:picLocks noChangeAspect="1" noChangeArrowheads="1"/>
+          </p:cNvPicPr>
+          <p:nvPr/>
+        </p:nvPicPr>
+        <p:blipFill rotWithShape="1">
+          <a:blip r:embed="rId4" cstate="print">
+            <a:extLst>
+              <a:ext uri="{28A0092B-C50C-407E-A947-70E740481C1C}">
+                <a14:useLocalDpi xmlns:a14="http://schemas.microsoft.com/office/drawing/2010/main" val="0"/>
+              </a:ext>
+            </a:extLst>
+          </a:blip>
+          <a:srcRect l="13839" t="15730" r="17843" b="19679"/>
+          <a:stretch/>
+        </p:blipFill>
+        <p:spPr bwMode="auto">
+          <a:xfrm>
+            <a:off x="5838511" y="3034415"/>
+            <a:ext cx="360000" cy="340363"/>
+          </a:xfrm>
+          <a:prstGeom prst="rect">
+            <a:avLst/>
+          </a:prstGeom>
+          <a:noFill/>
+          <a:extLst>
+            <a:ext uri="{909E8E84-426E-40DD-AFC4-6F175D3DCCD1}">
+              <a14:hiddenFill xmlns:a14="http://schemas.microsoft.com/office/drawing/2010/main">
+                <a:solidFill>
+                  <a:srgbClr val="FFFFFF"/>
+                </a:solidFill>
+              </a14:hiddenFill>
+            </a:ext>
+          </a:extLst>
+        </p:spPr>
+      </p:pic>
+      <p:pic>
+        <p:nvPicPr>
+          <p:cNvPr id="27" name="Picture 8" descr="Resultado de imagen para check png"/>
+          <p:cNvPicPr>
+            <a:picLocks noChangeAspect="1" noChangeArrowheads="1"/>
+          </p:cNvPicPr>
+          <p:nvPr/>
+        </p:nvPicPr>
+        <p:blipFill rotWithShape="1">
+          <a:blip r:embed="rId4" cstate="print">
+            <a:extLst>
+              <a:ext uri="{28A0092B-C50C-407E-A947-70E740481C1C}">
+                <a14:useLocalDpi xmlns:a14="http://schemas.microsoft.com/office/drawing/2010/main" val="0"/>
+              </a:ext>
+            </a:extLst>
+          </a:blip>
+          <a:srcRect l="13839" t="15730" r="17843" b="19679"/>
+          <a:stretch/>
+        </p:blipFill>
+        <p:spPr bwMode="auto">
+          <a:xfrm>
+            <a:off x="5838511" y="3511601"/>
+            <a:ext cx="360000" cy="340363"/>
+          </a:xfrm>
+          <a:prstGeom prst="rect">
+            <a:avLst/>
+          </a:prstGeom>
+          <a:noFill/>
+          <a:extLst>
+            <a:ext uri="{909E8E84-426E-40DD-AFC4-6F175D3DCCD1}">
+              <a14:hiddenFill xmlns:a14="http://schemas.microsoft.com/office/drawing/2010/main">
+                <a:solidFill>
+                  <a:srgbClr val="FFFFFF"/>
+                </a:solidFill>
+              </a14:hiddenFill>
+            </a:ext>
+          </a:extLst>
+        </p:spPr>
+      </p:pic>
+      <p:pic>
+        <p:nvPicPr>
+          <p:cNvPr id="28" name="Picture 8" descr="Resultado de imagen para check png"/>
+          <p:cNvPicPr>
+            <a:picLocks noChangeAspect="1" noChangeArrowheads="1"/>
+          </p:cNvPicPr>
+          <p:nvPr/>
+        </p:nvPicPr>
+        <p:blipFill rotWithShape="1">
+          <a:blip r:embed="rId4" cstate="print">
+            <a:extLst>
+              <a:ext uri="{28A0092B-C50C-407E-A947-70E740481C1C}">
+                <a14:useLocalDpi xmlns:a14="http://schemas.microsoft.com/office/drawing/2010/main" val="0"/>
+              </a:ext>
+            </a:extLst>
+          </a:blip>
+          <a:srcRect l="13839" t="15730" r="17843" b="19679"/>
+          <a:stretch/>
+        </p:blipFill>
+        <p:spPr bwMode="auto">
+          <a:xfrm>
+            <a:off x="5838511" y="3851964"/>
+            <a:ext cx="360000" cy="340363"/>
+          </a:xfrm>
+          <a:prstGeom prst="rect">
+            <a:avLst/>
+          </a:prstGeom>
+          <a:noFill/>
+          <a:extLst>
+            <a:ext uri="{909E8E84-426E-40DD-AFC4-6F175D3DCCD1}">
+              <a14:hiddenFill xmlns:a14="http://schemas.microsoft.com/office/drawing/2010/main">
+                <a:solidFill>
+                  <a:srgbClr val="FFFFFF"/>
+                </a:solidFill>
+              </a14:hiddenFill>
+            </a:ext>
+          </a:extLst>
+        </p:spPr>
+      </p:pic>
+      <p:pic>
+        <p:nvPicPr>
+          <p:cNvPr id="33" name="Picture 8" descr="Resultado de imagen para check png"/>
+          <p:cNvPicPr>
+            <a:picLocks noChangeAspect="1" noChangeArrowheads="1"/>
+          </p:cNvPicPr>
+          <p:nvPr/>
+        </p:nvPicPr>
+        <p:blipFill rotWithShape="1">
+          <a:blip r:embed="rId4" cstate="print">
+            <a:extLst>
+              <a:ext uri="{28A0092B-C50C-407E-A947-70E740481C1C}">
+                <a14:useLocalDpi xmlns:a14="http://schemas.microsoft.com/office/drawing/2010/main" val="0"/>
+              </a:ext>
+            </a:extLst>
+          </a:blip>
+          <a:srcRect l="13839" t="15730" r="17843" b="19679"/>
+          <a:stretch/>
+        </p:blipFill>
+        <p:spPr bwMode="auto">
+          <a:xfrm>
+            <a:off x="5838511" y="5746035"/>
+            <a:ext cx="360000" cy="340363"/>
+          </a:xfrm>
+          <a:prstGeom prst="rect">
+            <a:avLst/>
+          </a:prstGeom>
+          <a:noFill/>
+          <a:extLst>
+            <a:ext uri="{909E8E84-426E-40DD-AFC4-6F175D3DCCD1}">
+              <a14:hiddenFill xmlns:a14="http://schemas.microsoft.com/office/drawing/2010/main">
+                <a:solidFill>
+                  <a:srgbClr val="FFFFFF"/>
+                </a:solidFill>
+              </a14:hiddenFill>
+            </a:ext>
+          </a:extLst>
+        </p:spPr>
+      </p:pic>
+      <p:pic>
+        <p:nvPicPr>
+          <p:cNvPr id="34" name="Picture 8" descr="Resultado de imagen para check png"/>
+          <p:cNvPicPr>
+            <a:picLocks noChangeAspect="1" noChangeArrowheads="1"/>
+          </p:cNvPicPr>
+          <p:nvPr/>
+        </p:nvPicPr>
+        <p:blipFill rotWithShape="1">
+          <a:blip r:embed="rId4" cstate="print">
+            <a:extLst>
+              <a:ext uri="{28A0092B-C50C-407E-A947-70E740481C1C}">
+                <a14:useLocalDpi xmlns:a14="http://schemas.microsoft.com/office/drawing/2010/main" val="0"/>
+              </a:ext>
+            </a:extLst>
+          </a:blip>
+          <a:srcRect l="13839" t="15730" r="17843" b="19679"/>
+          <a:stretch/>
+        </p:blipFill>
+        <p:spPr bwMode="auto">
+          <a:xfrm>
+            <a:off x="5838511" y="6256911"/>
+            <a:ext cx="360000" cy="340363"/>
+          </a:xfrm>
+          <a:prstGeom prst="rect">
+            <a:avLst/>
+          </a:prstGeom>
+          <a:noFill/>
+          <a:extLst>
+            <a:ext uri="{909E8E84-426E-40DD-AFC4-6F175D3DCCD1}">
+              <a14:hiddenFill xmlns:a14="http://schemas.microsoft.com/office/drawing/2010/main">
+                <a:solidFill>
+                  <a:srgbClr val="FFFFFF"/>
+                </a:solidFill>
+              </a14:hiddenFill>
+            </a:ext>
+          </a:extLst>
+        </p:spPr>
+      </p:pic>
+      <p:pic>
+        <p:nvPicPr>
+          <p:cNvPr id="35" name="Picture 2" descr="Resultado de imagen para equis  png"/>
+          <p:cNvPicPr>
+            <a:picLocks noChangeAspect="1" noChangeArrowheads="1"/>
+          </p:cNvPicPr>
+          <p:nvPr/>
+        </p:nvPicPr>
+        <p:blipFill>
+          <a:blip r:embed="rId5" cstate="print">
+            <a:extLst>
+              <a:ext uri="{28A0092B-C50C-407E-A947-70E740481C1C}">
+                <a14:useLocalDpi xmlns:a14="http://schemas.microsoft.com/office/drawing/2010/main" val="0"/>
+              </a:ext>
+            </a:extLst>
+          </a:blip>
+          <a:srcRect/>
+          <a:stretch>
+            <a:fillRect/>
+          </a:stretch>
+        </p:blipFill>
+        <p:spPr bwMode="auto">
+          <a:xfrm>
+            <a:off x="5870041" y="4214370"/>
+            <a:ext cx="288000" cy="288000"/>
+          </a:xfrm>
+          <a:prstGeom prst="rect">
+            <a:avLst/>
+          </a:prstGeom>
+          <a:noFill/>
+          <a:extLst>
+            <a:ext uri="{909E8E84-426E-40DD-AFC4-6F175D3DCCD1}">
+              <a14:hiddenFill xmlns:a14="http://schemas.microsoft.com/office/drawing/2010/main">
+                <a:solidFill>
+                  <a:srgbClr val="FFFFFF"/>
+                </a:solidFill>
+              </a14:hiddenFill>
+            </a:ext>
+          </a:extLst>
+        </p:spPr>
+      </p:pic>
+      <p:pic>
+        <p:nvPicPr>
+          <p:cNvPr id="38" name="Picture 2" descr="Resultado de imagen para equis  png"/>
+          <p:cNvPicPr>
+            <a:picLocks noChangeAspect="1" noChangeArrowheads="1"/>
+          </p:cNvPicPr>
+          <p:nvPr/>
+        </p:nvPicPr>
+        <p:blipFill>
+          <a:blip r:embed="rId5" cstate="print">
+            <a:extLst>
+              <a:ext uri="{28A0092B-C50C-407E-A947-70E740481C1C}">
+                <a14:useLocalDpi xmlns:a14="http://schemas.microsoft.com/office/drawing/2010/main" val="0"/>
+              </a:ext>
+            </a:extLst>
+          </a:blip>
+          <a:srcRect/>
+          <a:stretch>
+            <a:fillRect/>
+          </a:stretch>
+        </p:blipFill>
+        <p:spPr bwMode="auto">
+          <a:xfrm>
+            <a:off x="5877159" y="4557187"/>
+            <a:ext cx="288000" cy="288000"/>
+          </a:xfrm>
+          <a:prstGeom prst="rect">
+            <a:avLst/>
+          </a:prstGeom>
+          <a:noFill/>
+          <a:extLst>
+            <a:ext uri="{909E8E84-426E-40DD-AFC4-6F175D3DCCD1}">
+              <a14:hiddenFill xmlns:a14="http://schemas.microsoft.com/office/drawing/2010/main">
+                <a:solidFill>
+                  <a:srgbClr val="FFFFFF"/>
+                </a:solidFill>
+              </a14:hiddenFill>
+            </a:ext>
+          </a:extLst>
+        </p:spPr>
+      </p:pic>
+      <p:pic>
+        <p:nvPicPr>
+          <p:cNvPr id="39" name="Picture 2" descr="Resultado de imagen para equis  png"/>
+          <p:cNvPicPr>
+            <a:picLocks noChangeAspect="1" noChangeArrowheads="1"/>
+          </p:cNvPicPr>
+          <p:nvPr/>
+        </p:nvPicPr>
+        <p:blipFill>
+          <a:blip r:embed="rId5" cstate="print">
+            <a:extLst>
+              <a:ext uri="{28A0092B-C50C-407E-A947-70E740481C1C}">
+                <a14:useLocalDpi xmlns:a14="http://schemas.microsoft.com/office/drawing/2010/main" val="0"/>
+              </a:ext>
+            </a:extLst>
+          </a:blip>
+          <a:srcRect/>
+          <a:stretch>
+            <a:fillRect/>
+          </a:stretch>
+        </p:blipFill>
+        <p:spPr bwMode="auto">
+          <a:xfrm>
+            <a:off x="5877159" y="4900004"/>
+            <a:ext cx="288000" cy="288000"/>
+          </a:xfrm>
+          <a:prstGeom prst="rect">
+            <a:avLst/>
+          </a:prstGeom>
+          <a:noFill/>
+          <a:extLst>
+            <a:ext uri="{909E8E84-426E-40DD-AFC4-6F175D3DCCD1}">
+              <a14:hiddenFill xmlns:a14="http://schemas.microsoft.com/office/drawing/2010/main">
+                <a:solidFill>
+                  <a:srgbClr val="FFFFFF"/>
+                </a:solidFill>
+              </a14:hiddenFill>
+            </a:ext>
+          </a:extLst>
+        </p:spPr>
+      </p:pic>
+      <p:pic>
+        <p:nvPicPr>
+          <p:cNvPr id="40" name="Picture 2" descr="Resultado de imagen para equis  png"/>
+          <p:cNvPicPr>
+            <a:picLocks noChangeAspect="1" noChangeArrowheads="1"/>
+          </p:cNvPicPr>
+          <p:nvPr/>
+        </p:nvPicPr>
+        <p:blipFill>
+          <a:blip r:embed="rId5" cstate="print">
+            <a:extLst>
+              <a:ext uri="{28A0092B-C50C-407E-A947-70E740481C1C}">
+                <a14:useLocalDpi xmlns:a14="http://schemas.microsoft.com/office/drawing/2010/main" val="0"/>
+              </a:ext>
+            </a:extLst>
+          </a:blip>
+          <a:srcRect/>
+          <a:stretch>
+            <a:fillRect/>
+          </a:stretch>
+        </p:blipFill>
+        <p:spPr bwMode="auto">
+          <a:xfrm>
+            <a:off x="5870041" y="5358517"/>
+            <a:ext cx="288000" cy="288000"/>
+          </a:xfrm>
+          <a:prstGeom prst="rect">
+            <a:avLst/>
+          </a:prstGeom>
+          <a:noFill/>
+          <a:extLst>
+            <a:ext uri="{909E8E84-426E-40DD-AFC4-6F175D3DCCD1}">
+              <a14:hiddenFill xmlns:a14="http://schemas.microsoft.com/office/drawing/2010/main">
+                <a:solidFill>
+                  <a:srgbClr val="FFFFFF"/>
+                </a:solidFill>
+              </a14:hiddenFill>
+            </a:ext>
+          </a:extLst>
+        </p:spPr>
+      </p:pic>
+    </p:spTree>
+    <p:extLst>
+      <p:ext uri="{BB962C8B-B14F-4D97-AF65-F5344CB8AC3E}">
+        <p14:creationId xmlns:p14="http://schemas.microsoft.com/office/powerpoint/2010/main" val="3305249940"/>
+      </p:ext>
+    </p:extLst>
+  </p:cSld>
+  <p:clrMapOvr>
+    <a:masterClrMapping/>
+  </p:clrMapOvr>
+</p:sld>
+</file>
+
 <file path=ppt/theme/theme1.xml><?xml version="1.0" encoding="utf-8"?>
 <a:theme xmlns:a="http://schemas.openxmlformats.org/drawingml/2006/main" name="Tema de Office">
   <a:themeElements>
